--- a/out_data/最終発表.pptx
+++ b/out_data/最終発表.pptx
@@ -224,7 +224,7 @@
           <a:p>
             <a:fld id="{9AEF04AC-E556-4F6F-9D0F-C74C61215D73}" type="datetimeFigureOut">
               <a:rPr kumimoji="1" lang="ja-JP" altLang="en-US" smtClean="0"/>
-              <a:t>2025/1/22</a:t>
+              <a:t>2025/1/23</a:t>
             </a:fld>
             <a:endParaRPr kumimoji="1" lang="ja-JP" altLang="en-US"/>
           </a:p>
@@ -2026,7 +2026,7 @@
           <a:p>
             <a:fld id="{7FD7AF70-6FD7-4471-BE6F-D0CC3FD2D3C9}" type="datetimeFigureOut">
               <a:rPr kumimoji="1" lang="ja-JP" altLang="en-US" smtClean="0"/>
-              <a:t>2025/1/22</a:t>
+              <a:t>2025/1/23</a:t>
             </a:fld>
             <a:endParaRPr kumimoji="1" lang="ja-JP" altLang="en-US"/>
           </a:p>
@@ -2256,7 +2256,7 @@
           <a:p>
             <a:fld id="{7FD7AF70-6FD7-4471-BE6F-D0CC3FD2D3C9}" type="datetimeFigureOut">
               <a:rPr kumimoji="1" lang="ja-JP" altLang="en-US" smtClean="0"/>
-              <a:t>2025/1/22</a:t>
+              <a:t>2025/1/23</a:t>
             </a:fld>
             <a:endParaRPr kumimoji="1" lang="ja-JP" altLang="en-US"/>
           </a:p>
@@ -2496,7 +2496,7 @@
           <a:p>
             <a:fld id="{7FD7AF70-6FD7-4471-BE6F-D0CC3FD2D3C9}" type="datetimeFigureOut">
               <a:rPr kumimoji="1" lang="ja-JP" altLang="en-US" smtClean="0"/>
-              <a:t>2025/1/22</a:t>
+              <a:t>2025/1/23</a:t>
             </a:fld>
             <a:endParaRPr kumimoji="1" lang="ja-JP" altLang="en-US"/>
           </a:p>
@@ -2726,7 +2726,7 @@
           <a:p>
             <a:fld id="{7FD7AF70-6FD7-4471-BE6F-D0CC3FD2D3C9}" type="datetimeFigureOut">
               <a:rPr kumimoji="1" lang="ja-JP" altLang="en-US" smtClean="0"/>
-              <a:t>2025/1/22</a:t>
+              <a:t>2025/1/23</a:t>
             </a:fld>
             <a:endParaRPr kumimoji="1" lang="ja-JP" altLang="en-US"/>
           </a:p>
@@ -3001,7 +3001,7 @@
           <a:p>
             <a:fld id="{7FD7AF70-6FD7-4471-BE6F-D0CC3FD2D3C9}" type="datetimeFigureOut">
               <a:rPr kumimoji="1" lang="ja-JP" altLang="en-US" smtClean="0"/>
-              <a:t>2025/1/22</a:t>
+              <a:t>2025/1/23</a:t>
             </a:fld>
             <a:endParaRPr kumimoji="1" lang="ja-JP" altLang="en-US"/>
           </a:p>
@@ -3330,7 +3330,7 @@
           <a:p>
             <a:fld id="{7FD7AF70-6FD7-4471-BE6F-D0CC3FD2D3C9}" type="datetimeFigureOut">
               <a:rPr kumimoji="1" lang="ja-JP" altLang="en-US" smtClean="0"/>
-              <a:t>2025/1/22</a:t>
+              <a:t>2025/1/23</a:t>
             </a:fld>
             <a:endParaRPr kumimoji="1" lang="ja-JP" altLang="en-US"/>
           </a:p>
@@ -3806,7 +3806,7 @@
           <a:p>
             <a:fld id="{7FD7AF70-6FD7-4471-BE6F-D0CC3FD2D3C9}" type="datetimeFigureOut">
               <a:rPr kumimoji="1" lang="ja-JP" altLang="en-US" smtClean="0"/>
-              <a:t>2025/1/22</a:t>
+              <a:t>2025/1/23</a:t>
             </a:fld>
             <a:endParaRPr kumimoji="1" lang="ja-JP" altLang="en-US"/>
           </a:p>
@@ -3947,7 +3947,7 @@
           <a:p>
             <a:fld id="{7FD7AF70-6FD7-4471-BE6F-D0CC3FD2D3C9}" type="datetimeFigureOut">
               <a:rPr kumimoji="1" lang="ja-JP" altLang="en-US" smtClean="0"/>
-              <a:t>2025/1/22</a:t>
+              <a:t>2025/1/23</a:t>
             </a:fld>
             <a:endParaRPr kumimoji="1" lang="ja-JP" altLang="en-US"/>
           </a:p>
@@ -4060,7 +4060,7 @@
           <a:p>
             <a:fld id="{7FD7AF70-6FD7-4471-BE6F-D0CC3FD2D3C9}" type="datetimeFigureOut">
               <a:rPr kumimoji="1" lang="ja-JP" altLang="en-US" smtClean="0"/>
-              <a:t>2025/1/22</a:t>
+              <a:t>2025/1/23</a:t>
             </a:fld>
             <a:endParaRPr kumimoji="1" lang="ja-JP" altLang="en-US"/>
           </a:p>
@@ -4403,7 +4403,7 @@
           <a:p>
             <a:fld id="{7FD7AF70-6FD7-4471-BE6F-D0CC3FD2D3C9}" type="datetimeFigureOut">
               <a:rPr kumimoji="1" lang="ja-JP" altLang="en-US" smtClean="0"/>
-              <a:t>2025/1/22</a:t>
+              <a:t>2025/1/23</a:t>
             </a:fld>
             <a:endParaRPr kumimoji="1" lang="ja-JP" altLang="en-US"/>
           </a:p>
@@ -4691,7 +4691,7 @@
           <a:p>
             <a:fld id="{7FD7AF70-6FD7-4471-BE6F-D0CC3FD2D3C9}" type="datetimeFigureOut">
               <a:rPr kumimoji="1" lang="ja-JP" altLang="en-US" smtClean="0"/>
-              <a:t>2025/1/22</a:t>
+              <a:t>2025/1/23</a:t>
             </a:fld>
             <a:endParaRPr kumimoji="1" lang="ja-JP" altLang="en-US"/>
           </a:p>
@@ -4964,7 +4964,7 @@
           <a:p>
             <a:fld id="{7FD7AF70-6FD7-4471-BE6F-D0CC3FD2D3C9}" type="datetimeFigureOut">
               <a:rPr kumimoji="1" lang="ja-JP" altLang="en-US" smtClean="0"/>
-              <a:t>2025/1/22</a:t>
+              <a:t>2025/1/23</a:t>
             </a:fld>
             <a:endParaRPr kumimoji="1" lang="ja-JP" altLang="en-US"/>
           </a:p>
@@ -5511,6 +5511,18 @@
                 <a:ea typeface="メイリオ" panose="020B0604030504040204" pitchFamily="50" charset="-128"/>
               </a:rPr>
               <a:t>を用いた</a:t>
+            </a:r>
+            <a:r>
+              <a:rPr kumimoji="1" lang="en-US" altLang="ja-JP" sz="3600" dirty="0">
+                <a:solidFill>
+                  <a:schemeClr val="bg1">
+                    <a:lumMod val="85000"/>
+                  </a:schemeClr>
+                </a:solidFill>
+                <a:latin typeface="メイリオ" panose="020B0604030504040204" pitchFamily="50" charset="-128"/>
+                <a:ea typeface="メイリオ" panose="020B0604030504040204" pitchFamily="50" charset="-128"/>
+              </a:rPr>
+              <a:t/>
             </a:r>
             <a:br>
               <a:rPr kumimoji="1" lang="en-US" altLang="ja-JP" sz="3600" dirty="0">
@@ -10206,7 +10218,7 @@
         </p:nvSpPr>
         <p:spPr>
           <a:xfrm>
-            <a:off x="200024" y="996082"/>
+            <a:off x="384662" y="1980821"/>
             <a:ext cx="10906126" cy="2816156"/>
           </a:xfrm>
           <a:prstGeom prst="rect">
@@ -10279,6 +10291,13 @@
               </a:rPr>
               <a:t>・　必須の特徴量は、</a:t>
             </a:r>
+            <a:r>
+              <a:rPr lang="en-US" altLang="ja-JP" sz="2400" dirty="0">
+                <a:latin typeface="メイリオ" panose="020B0604030504040204" pitchFamily="50" charset="-128"/>
+                <a:ea typeface="メイリオ" panose="020B0604030504040204" pitchFamily="50" charset="-128"/>
+              </a:rPr>
+              <a:t/>
+            </a:r>
             <a:br>
               <a:rPr lang="en-US" altLang="ja-JP" sz="2400" dirty="0">
                 <a:latin typeface="メイリオ" panose="020B0604030504040204" pitchFamily="50" charset="-128"/>
@@ -10291,76 +10310,6 @@
                 <a:ea typeface="メイリオ" panose="020B0604030504040204" pitchFamily="50" charset="-128"/>
               </a:rPr>
               <a:t>1時間前のOx、1時間前の湿度、1時間前の気温である可能性が示唆された</a:t>
-            </a:r>
-          </a:p>
-        </p:txBody>
-      </p:sp>
-      <p:sp>
-        <p:nvSpPr>
-          <p:cNvPr id="6" name="テキスト ボックス 5">
-            <a:extLst>
-              <a:ext uri="{FF2B5EF4-FFF2-40B4-BE49-F238E27FC236}">
-                <a16:creationId xmlns:a16="http://schemas.microsoft.com/office/drawing/2014/main" id="{C1B7D107-2D4A-A18B-4331-675DB3B4A02C}"/>
-              </a:ext>
-            </a:extLst>
-          </p:cNvPr>
-          <p:cNvSpPr txBox="1"/>
-          <p:nvPr/>
-        </p:nvSpPr>
-        <p:spPr>
-          <a:xfrm>
-            <a:off x="200023" y="4153758"/>
-            <a:ext cx="11396231" cy="1708160"/>
-          </a:xfrm>
-          <a:prstGeom prst="rect">
-            <a:avLst/>
-          </a:prstGeom>
-          <a:noFill/>
-        </p:spPr>
-        <p:txBody>
-          <a:bodyPr wrap="square" rtlCol="0">
-            <a:spAutoFit/>
-          </a:bodyPr>
-          <a:lstStyle/>
-          <a:p>
-            <a:pPr>
-              <a:lnSpc>
-                <a:spcPct val="150000"/>
-              </a:lnSpc>
-            </a:pPr>
-            <a:r>
-              <a:rPr lang="ja-JP" altLang="en-US" sz="2400" b="1" dirty="0">
-                <a:latin typeface="メイリオ" panose="020B0604030504040204" pitchFamily="50" charset="-128"/>
-                <a:ea typeface="メイリオ" panose="020B0604030504040204" pitchFamily="50" charset="-128"/>
-              </a:rPr>
-              <a:t>今後の展望</a:t>
-            </a:r>
-          </a:p>
-          <a:p>
-            <a:pPr marL="714375" indent="-714375">
-              <a:lnSpc>
-                <a:spcPct val="150000"/>
-              </a:lnSpc>
-            </a:pPr>
-            <a:r>
-              <a:rPr lang="ja-JP" altLang="en-US" sz="2400" dirty="0">
-                <a:latin typeface="メイリオ" panose="020B0604030504040204" pitchFamily="50" charset="-128"/>
-                <a:ea typeface="メイリオ" panose="020B0604030504040204" pitchFamily="50" charset="-128"/>
-              </a:rPr>
-              <a:t>・　今後、特徴量の選択パターンを増やすことで最適な特徴量の規則性が</a:t>
-            </a:r>
-            <a:br>
-              <a:rPr lang="en-US" altLang="ja-JP" sz="2400" dirty="0">
-                <a:latin typeface="メイリオ" panose="020B0604030504040204" pitchFamily="50" charset="-128"/>
-                <a:ea typeface="メイリオ" panose="020B0604030504040204" pitchFamily="50" charset="-128"/>
-              </a:rPr>
-            </a:br>
-            <a:r>
-              <a:rPr lang="ja-JP" altLang="en-US" sz="2400" dirty="0">
-                <a:latin typeface="メイリオ" panose="020B0604030504040204" pitchFamily="50" charset="-128"/>
-                <a:ea typeface="メイリオ" panose="020B0604030504040204" pitchFamily="50" charset="-128"/>
-              </a:rPr>
-              <a:t>見つけられると考えた。そのため、多くの試行を試す必要があると考える。</a:t>
             </a:r>
           </a:p>
         </p:txBody>
@@ -10511,7 +10460,7 @@
         </p:nvSpPr>
         <p:spPr>
           <a:xfrm>
-            <a:off x="197860" y="1522154"/>
+            <a:off x="197860" y="1856262"/>
             <a:ext cx="11796279" cy="3370153"/>
           </a:xfrm>
           <a:prstGeom prst="rect">
@@ -20510,8 +20459,8 @@
         </p:nvSpPr>
         <p:spPr>
           <a:xfrm>
-            <a:off x="447880" y="617362"/>
-            <a:ext cx="11679939" cy="1331134"/>
+            <a:off x="412711" y="313507"/>
+            <a:ext cx="11679939" cy="2031325"/>
           </a:xfrm>
           <a:prstGeom prst="rect">
             <a:avLst/>
@@ -20530,6 +20479,40 @@
               </a:lnSpc>
             </a:pPr>
             <a:r>
+              <a:rPr lang="ja-JP" altLang="en-US" sz="2800" b="1" dirty="0" smtClean="0">
+                <a:solidFill>
+                  <a:srgbClr val="FF0000"/>
+                </a:solidFill>
+                <a:latin typeface="メイリオ" panose="020B0604030504040204" pitchFamily="50" charset="-128"/>
+                <a:ea typeface="メイリオ" panose="020B0604030504040204" pitchFamily="50" charset="-128"/>
+              </a:rPr>
+              <a:t>仮説</a:t>
+            </a:r>
+            <a:endParaRPr lang="en-US" altLang="ja-JP" sz="2800" b="1" dirty="0" smtClean="0">
+              <a:solidFill>
+                <a:srgbClr val="FF0000"/>
+              </a:solidFill>
+              <a:latin typeface="メイリオ" panose="020B0604030504040204" pitchFamily="50" charset="-128"/>
+              <a:ea typeface="メイリオ" panose="020B0604030504040204" pitchFamily="50" charset="-128"/>
+            </a:endParaRPr>
+          </a:p>
+          <a:p>
+            <a:pPr algn="ctr">
+              <a:lnSpc>
+                <a:spcPct val="150000"/>
+              </a:lnSpc>
+            </a:pPr>
+            <a:r>
+              <a:rPr lang="ja-JP" altLang="en-US" sz="2800" dirty="0" smtClean="0">
+                <a:solidFill>
+                  <a:srgbClr val="FF0000"/>
+                </a:solidFill>
+                <a:latin typeface="メイリオ" panose="020B0604030504040204" pitchFamily="50" charset="-128"/>
+                <a:ea typeface="メイリオ" panose="020B0604030504040204" pitchFamily="50" charset="-128"/>
+              </a:rPr>
+              <a:t>探索</a:t>
+            </a:r>
+            <a:r>
               <a:rPr lang="ja-JP" altLang="en-US" sz="2800" dirty="0">
                 <a:solidFill>
                   <a:srgbClr val="FF0000"/>
@@ -20537,7 +20520,7 @@
                 <a:latin typeface="メイリオ" panose="020B0604030504040204" pitchFamily="50" charset="-128"/>
                 <a:ea typeface="メイリオ" panose="020B0604030504040204" pitchFamily="50" charset="-128"/>
               </a:rPr>
-              <a:t>探索を行うにあたって、高濃度域の予測で</a:t>
+              <a:t>を行うにあたって、高濃度域の予測で</a:t>
             </a:r>
             <a:endParaRPr lang="en-US" altLang="ja-JP" sz="2800" dirty="0">
               <a:solidFill>
@@ -20634,8 +20617,8 @@
         </p:nvSpPr>
         <p:spPr>
           <a:xfrm>
-            <a:off x="177622" y="3010935"/>
-            <a:ext cx="8556939" cy="600164"/>
+            <a:off x="177623" y="3010935"/>
+            <a:ext cx="6105650" cy="646331"/>
           </a:xfrm>
           <a:prstGeom prst="rect">
             <a:avLst/>
@@ -20682,7 +20665,7 @@
         <p:grpSpPr>
           <a:xfrm>
             <a:off x="255562" y="3754758"/>
-            <a:ext cx="3133725" cy="1781572"/>
+            <a:ext cx="5591323" cy="1379950"/>
             <a:chOff x="90463" y="1058995"/>
             <a:chExt cx="3133725" cy="1781572"/>
           </a:xfrm>
@@ -20860,583 +20843,78 @@
           </p:txBody>
         </p:sp>
       </p:grpSp>
-      <p:grpSp>
-        <p:nvGrpSpPr>
-          <p:cNvPr id="13" name="グループ化 12">
+      <p:sp>
+        <p:nvSpPr>
+          <p:cNvPr id="21" name="テキスト ボックス 20">
             <a:extLst>
               <a:ext uri="{FF2B5EF4-FFF2-40B4-BE49-F238E27FC236}">
-                <a16:creationId xmlns:a16="http://schemas.microsoft.com/office/drawing/2014/main" id="{67C3B66A-E4FF-D7E3-4FF8-21B32AF878A5}"/>
+                <a16:creationId xmlns:a16="http://schemas.microsoft.com/office/drawing/2014/main" id="{FA0E3708-3E3E-7E07-EB35-F9EBC9B88AE2}"/>
               </a:ext>
             </a:extLst>
           </p:cNvPr>
-          <p:cNvGrpSpPr/>
+          <p:cNvSpPr txBox="1"/>
           <p:nvPr/>
-        </p:nvGrpSpPr>
-        <p:grpSpPr>
+        </p:nvSpPr>
+        <p:spPr>
           <a:xfrm>
-            <a:off x="3615489" y="4136643"/>
-            <a:ext cx="2342787" cy="877163"/>
-            <a:chOff x="3926495" y="1590992"/>
-            <a:chExt cx="2342787" cy="877163"/>
+            <a:off x="6546195" y="2757019"/>
+            <a:ext cx="5257800" cy="1154162"/>
           </a:xfrm>
-        </p:grpSpPr>
-        <p:sp>
-          <p:nvSpPr>
-            <p:cNvPr id="14" name="正方形/長方形 13">
-              <a:extLst>
-                <a:ext uri="{FF2B5EF4-FFF2-40B4-BE49-F238E27FC236}">
-                  <a16:creationId xmlns:a16="http://schemas.microsoft.com/office/drawing/2014/main" id="{E3D78716-8DA1-7635-078A-233BF19B83F5}"/>
-                </a:ext>
-              </a:extLst>
-            </p:cNvPr>
-            <p:cNvSpPr/>
-            <p:nvPr/>
-          </p:nvSpPr>
-          <p:spPr>
-            <a:xfrm>
-              <a:off x="4840532" y="1590992"/>
-              <a:ext cx="1428750" cy="877163"/>
-            </a:xfrm>
-            <a:prstGeom prst="rect">
-              <a:avLst/>
-            </a:prstGeom>
-            <a:solidFill>
-              <a:schemeClr val="accent3">
-                <a:lumMod val="40000"/>
-                <a:lumOff val="60000"/>
-              </a:schemeClr>
-            </a:solidFill>
-            <a:ln w="19050">
-              <a:solidFill>
-                <a:schemeClr val="tx1"/>
-              </a:solidFill>
-            </a:ln>
-          </p:spPr>
-          <p:style>
-            <a:lnRef idx="1">
-              <a:schemeClr val="accent1"/>
-            </a:lnRef>
-            <a:fillRef idx="3">
-              <a:schemeClr val="accent1"/>
-            </a:fillRef>
-            <a:effectRef idx="2">
-              <a:schemeClr val="accent1"/>
-            </a:effectRef>
-            <a:fontRef idx="minor">
-              <a:schemeClr val="lt1"/>
-            </a:fontRef>
-          </p:style>
-          <p:txBody>
-            <a:bodyPr rtlCol="0" anchor="ctr"/>
-            <a:lstStyle/>
-            <a:p>
-              <a:pPr algn="ctr"/>
-              <a:r>
-                <a:rPr lang="ja-JP" altLang="en-US" sz="2400" dirty="0">
-                  <a:solidFill>
-                    <a:schemeClr val="tx1"/>
-                  </a:solidFill>
-                  <a:latin typeface="メイリオ" panose="020B0604030504040204" pitchFamily="50" charset="-128"/>
-                  <a:ea typeface="メイリオ" panose="020B0604030504040204" pitchFamily="50" charset="-128"/>
-                </a:rPr>
-                <a:t>学習</a:t>
-              </a:r>
-            </a:p>
-          </p:txBody>
-        </p:sp>
-        <p:sp>
-          <p:nvSpPr>
-            <p:cNvPr id="15" name="矢印: 右 14">
-              <a:extLst>
-                <a:ext uri="{FF2B5EF4-FFF2-40B4-BE49-F238E27FC236}">
-                  <a16:creationId xmlns:a16="http://schemas.microsoft.com/office/drawing/2014/main" id="{AA32F197-60B5-9AF2-566A-B75E8B610E50}"/>
-                </a:ext>
-              </a:extLst>
-            </p:cNvPr>
-            <p:cNvSpPr/>
-            <p:nvPr/>
-          </p:nvSpPr>
-          <p:spPr>
-            <a:xfrm>
-              <a:off x="3926495" y="1652667"/>
-              <a:ext cx="728996" cy="779318"/>
-            </a:xfrm>
-            <a:prstGeom prst="rightArrow">
-              <a:avLst/>
-            </a:prstGeom>
-            <a:solidFill>
-              <a:schemeClr val="accent3">
-                <a:lumMod val="40000"/>
-                <a:lumOff val="60000"/>
-              </a:schemeClr>
-            </a:solidFill>
-            <a:ln w="19050">
-              <a:solidFill>
-                <a:schemeClr val="tx1"/>
-              </a:solidFill>
-            </a:ln>
-          </p:spPr>
-          <p:style>
-            <a:lnRef idx="1">
-              <a:schemeClr val="accent1"/>
-            </a:lnRef>
-            <a:fillRef idx="3">
-              <a:schemeClr val="accent1"/>
-            </a:fillRef>
-            <a:effectRef idx="2">
-              <a:schemeClr val="accent1"/>
-            </a:effectRef>
-            <a:fontRef idx="minor">
-              <a:schemeClr val="lt1"/>
-            </a:fontRef>
-          </p:style>
-          <p:txBody>
-            <a:bodyPr rtlCol="0" anchor="ctr"/>
-            <a:lstStyle/>
-            <a:p>
-              <a:pPr algn="ctr"/>
-              <a:endParaRPr lang="ja-JP" altLang="en-US">
-                <a:solidFill>
-                  <a:schemeClr val="tx1"/>
-                </a:solidFill>
-              </a:endParaRPr>
-            </a:p>
-          </p:txBody>
-        </p:sp>
-      </p:grpSp>
-      <p:grpSp>
-        <p:nvGrpSpPr>
-          <p:cNvPr id="16" name="グループ化 15">
-            <a:extLst>
-              <a:ext uri="{FF2B5EF4-FFF2-40B4-BE49-F238E27FC236}">
-                <a16:creationId xmlns:a16="http://schemas.microsoft.com/office/drawing/2014/main" id="{95084B5F-3015-20D1-3C7D-C8B3B065111D}"/>
-              </a:ext>
-            </a:extLst>
-          </p:cNvPr>
-          <p:cNvGrpSpPr/>
-          <p:nvPr/>
-        </p:nvGrpSpPr>
-        <p:grpSpPr>
-          <a:xfrm>
-            <a:off x="6187822" y="3611099"/>
-            <a:ext cx="2659840" cy="1708159"/>
-            <a:chOff x="7536509" y="1132408"/>
-            <a:chExt cx="2659840" cy="1708159"/>
-          </a:xfrm>
-        </p:grpSpPr>
-        <p:grpSp>
-          <p:nvGrpSpPr>
-            <p:cNvPr id="17" name="グループ化 16">
-              <a:extLst>
-                <a:ext uri="{FF2B5EF4-FFF2-40B4-BE49-F238E27FC236}">
-                  <a16:creationId xmlns:a16="http://schemas.microsoft.com/office/drawing/2014/main" id="{4FBDDEB0-81AC-B558-A04E-84860327261C}"/>
-                </a:ext>
-              </a:extLst>
-            </p:cNvPr>
-            <p:cNvGrpSpPr/>
-            <p:nvPr/>
-          </p:nvGrpSpPr>
-          <p:grpSpPr>
-            <a:xfrm>
-              <a:off x="8335945" y="1132408"/>
-              <a:ext cx="1860404" cy="1708159"/>
-              <a:chOff x="8335945" y="1132408"/>
-              <a:chExt cx="1860404" cy="1708159"/>
-            </a:xfrm>
-          </p:grpSpPr>
-          <p:sp>
-            <p:nvSpPr>
-              <p:cNvPr id="19" name="四角形: 角を丸くする 18">
-                <a:extLst>
-                  <a:ext uri="{FF2B5EF4-FFF2-40B4-BE49-F238E27FC236}">
-                    <a16:creationId xmlns:a16="http://schemas.microsoft.com/office/drawing/2014/main" id="{C065CE5A-DEA7-03AF-2A50-60E10AA168EA}"/>
-                  </a:ext>
-                </a:extLst>
-              </p:cNvPr>
-              <p:cNvSpPr/>
-              <p:nvPr/>
-            </p:nvSpPr>
-            <p:spPr>
-              <a:xfrm>
-                <a:off x="8335945" y="1132408"/>
-                <a:ext cx="1860404" cy="1708159"/>
-              </a:xfrm>
-              <a:prstGeom prst="roundRect">
-                <a:avLst/>
-              </a:prstGeom>
-              <a:solidFill>
-                <a:schemeClr val="bg1"/>
-              </a:solidFill>
-            </p:spPr>
-            <p:style>
-              <a:lnRef idx="2">
-                <a:schemeClr val="accent1">
-                  <a:shade val="15000"/>
-                </a:schemeClr>
-              </a:lnRef>
-              <a:fillRef idx="1">
-                <a:schemeClr val="accent1"/>
-              </a:fillRef>
-              <a:effectRef idx="0">
-                <a:schemeClr val="accent1"/>
-              </a:effectRef>
-              <a:fontRef idx="minor">
-                <a:schemeClr val="lt1"/>
-              </a:fontRef>
-            </p:style>
-            <p:txBody>
-              <a:bodyPr rtlCol="0" anchor="ctr"/>
-              <a:lstStyle/>
-              <a:p>
-                <a:pPr algn="ctr"/>
-                <a:endParaRPr kumimoji="1" lang="ja-JP" altLang="en-US" dirty="0"/>
-              </a:p>
-            </p:txBody>
-          </p:sp>
-          <p:sp>
-            <p:nvSpPr>
-              <p:cNvPr id="20" name="テキスト ボックス 19">
-                <a:extLst>
-                  <a:ext uri="{FF2B5EF4-FFF2-40B4-BE49-F238E27FC236}">
-                    <a16:creationId xmlns:a16="http://schemas.microsoft.com/office/drawing/2014/main" id="{51B30D30-3E65-0631-FC86-636CB0A5ABD0}"/>
-                  </a:ext>
-                </a:extLst>
-              </p:cNvPr>
-              <p:cNvSpPr txBox="1"/>
-              <p:nvPr/>
-            </p:nvSpPr>
-            <p:spPr>
-              <a:xfrm>
-                <a:off x="8568657" y="1627892"/>
-                <a:ext cx="1394979" cy="600164"/>
-              </a:xfrm>
-              <a:prstGeom prst="rect">
-                <a:avLst/>
-              </a:prstGeom>
-              <a:noFill/>
-            </p:spPr>
-            <p:txBody>
-              <a:bodyPr wrap="square" rtlCol="0">
-                <a:spAutoFit/>
-              </a:bodyPr>
-              <a:lstStyle/>
-              <a:p>
-                <a:pPr algn="ctr">
-                  <a:lnSpc>
-                    <a:spcPct val="150000"/>
-                  </a:lnSpc>
-                </a:pPr>
-                <a:r>
-                  <a:rPr lang="ja-JP" altLang="en-US" sz="2400" dirty="0">
-                    <a:solidFill>
-                      <a:srgbClr val="FF0000"/>
-                    </a:solidFill>
-                    <a:latin typeface="メイリオ" panose="020B0604030504040204" pitchFamily="50" charset="-128"/>
-                    <a:ea typeface="メイリオ" panose="020B0604030504040204" pitchFamily="50" charset="-128"/>
-                  </a:rPr>
-                  <a:t>モデル</a:t>
-                </a:r>
-                <a:endParaRPr lang="en-US" altLang="ja-JP" sz="2400" dirty="0">
-                  <a:latin typeface="メイリオ" panose="020B0604030504040204" pitchFamily="50" charset="-128"/>
-                  <a:ea typeface="メイリオ" panose="020B0604030504040204" pitchFamily="50" charset="-128"/>
-                </a:endParaRPr>
-              </a:p>
-            </p:txBody>
-          </p:sp>
-        </p:grpSp>
-        <p:sp>
-          <p:nvSpPr>
-            <p:cNvPr id="18" name="矢印: 右 17">
-              <a:extLst>
-                <a:ext uri="{FF2B5EF4-FFF2-40B4-BE49-F238E27FC236}">
-                  <a16:creationId xmlns:a16="http://schemas.microsoft.com/office/drawing/2014/main" id="{62C62985-023A-E319-176B-3DEC0B49D9AA}"/>
-                </a:ext>
-              </a:extLst>
-            </p:cNvPr>
-            <p:cNvSpPr/>
-            <p:nvPr/>
-          </p:nvSpPr>
-          <p:spPr>
-            <a:xfrm>
-              <a:off x="7536509" y="1652666"/>
-              <a:ext cx="719681" cy="779318"/>
-            </a:xfrm>
-            <a:prstGeom prst="rightArrow">
-              <a:avLst/>
-            </a:prstGeom>
-            <a:solidFill>
-              <a:schemeClr val="accent3">
-                <a:lumMod val="40000"/>
-                <a:lumOff val="60000"/>
-              </a:schemeClr>
-            </a:solidFill>
-            <a:ln w="19050">
-              <a:solidFill>
-                <a:schemeClr val="tx1"/>
-              </a:solidFill>
-            </a:ln>
-          </p:spPr>
-          <p:style>
-            <a:lnRef idx="1">
-              <a:schemeClr val="accent1"/>
-            </a:lnRef>
-            <a:fillRef idx="3">
-              <a:schemeClr val="accent1"/>
-            </a:fillRef>
-            <a:effectRef idx="2">
-              <a:schemeClr val="accent1"/>
-            </a:effectRef>
-            <a:fontRef idx="minor">
-              <a:schemeClr val="lt1"/>
-            </a:fontRef>
-          </p:style>
-          <p:txBody>
-            <a:bodyPr rtlCol="0" anchor="ctr"/>
-            <a:lstStyle/>
-            <a:p>
-              <a:pPr algn="ctr"/>
-              <a:endParaRPr lang="ja-JP" altLang="en-US">
-                <a:solidFill>
-                  <a:schemeClr val="tx1"/>
-                </a:solidFill>
-              </a:endParaRPr>
-            </a:p>
-          </p:txBody>
-        </p:sp>
-      </p:grpSp>
-      <p:graphicFrame>
-        <p:nvGraphicFramePr>
-          <p:cNvPr id="23" name="表 22">
-            <a:extLst>
-              <a:ext uri="{FF2B5EF4-FFF2-40B4-BE49-F238E27FC236}">
-                <a16:creationId xmlns:a16="http://schemas.microsoft.com/office/drawing/2014/main" id="{B7F95E14-DC88-0F34-4E6A-C9066C02AB6F}"/>
-              </a:ext>
-            </a:extLst>
-          </p:cNvPr>
-          <p:cNvGraphicFramePr>
-            <a:graphicFrameLocks noGrp="1"/>
-          </p:cNvGraphicFramePr>
-          <p:nvPr>
-            <p:extLst>
-              <p:ext uri="{D42A27DB-BD31-4B8C-83A1-F6EECF244321}">
-                <p14:modId xmlns:p14="http://schemas.microsoft.com/office/powerpoint/2010/main" val="1935774075"/>
-              </p:ext>
-            </p:extLst>
-          </p:nvPr>
-        </p:nvGraphicFramePr>
-        <p:xfrm>
-          <a:off x="9265633" y="2560419"/>
-          <a:ext cx="2535827" cy="2651760"/>
-        </p:xfrm>
-        <a:graphic>
-          <a:graphicData uri="http://schemas.openxmlformats.org/drawingml/2006/table">
-            <a:tbl>
-              <a:tblPr firstRow="1" firstCol="1" bandRow="1">
-                <a:tableStyleId>{5C22544A-7EE6-4342-B048-85BDC9FD1C3A}</a:tableStyleId>
-              </a:tblPr>
-              <a:tblGrid>
-                <a:gridCol w="1203627">
-                  <a:extLst>
-                    <a:ext uri="{9D8B030D-6E8A-4147-A177-3AD203B41FA5}">
-                      <a16:colId xmlns:a16="http://schemas.microsoft.com/office/drawing/2014/main" val="503887532"/>
-                    </a:ext>
-                  </a:extLst>
-                </a:gridCol>
-                <a:gridCol w="1332200">
-                  <a:extLst>
-                    <a:ext uri="{9D8B030D-6E8A-4147-A177-3AD203B41FA5}">
-                      <a16:colId xmlns:a16="http://schemas.microsoft.com/office/drawing/2014/main" val="533481406"/>
-                    </a:ext>
-                  </a:extLst>
-                </a:gridCol>
-              </a:tblGrid>
-              <a:tr h="300418">
-                <a:tc>
-                  <a:txBody>
-                    <a:bodyPr/>
-                    <a:lstStyle/>
-                    <a:p>
-                      <a:r>
-                        <a:rPr kumimoji="1" lang="ja-JP" altLang="en-US" sz="2400" dirty="0"/>
-                        <a:t>特徴量</a:t>
-                      </a:r>
-                    </a:p>
-                  </a:txBody>
-                  <a:tcPr/>
-                </a:tc>
-                <a:tc>
-                  <a:txBody>
-                    <a:bodyPr/>
-                    <a:lstStyle/>
-                    <a:p>
-                      <a:pPr algn="ctr"/>
-                      <a:r>
-                        <a:rPr kumimoji="1" lang="ja-JP" altLang="en-US" sz="2400" dirty="0"/>
-                        <a:t>需要度</a:t>
-                      </a:r>
-                      <a:r>
-                        <a:rPr kumimoji="1" lang="en-US" altLang="ja-JP" sz="2400" dirty="0"/>
-                        <a:t>(abs)</a:t>
-                      </a:r>
-                      <a:endParaRPr kumimoji="1" lang="ja-JP" altLang="en-US" sz="2400" dirty="0"/>
-                    </a:p>
-                  </a:txBody>
-                  <a:tcPr/>
-                </a:tc>
-                <a:extLst>
-                  <a:ext uri="{0D108BD9-81ED-4DB2-BD59-A6C34878D82A}">
-                    <a16:rowId xmlns:a16="http://schemas.microsoft.com/office/drawing/2014/main" val="65432201"/>
-                  </a:ext>
-                </a:extLst>
-              </a:tr>
-              <a:tr h="300418">
-                <a:tc>
-                  <a:txBody>
-                    <a:bodyPr/>
-                    <a:lstStyle/>
-                    <a:p>
-                      <a:r>
-                        <a:rPr kumimoji="1" lang="en-US" altLang="ja-JP" sz="2400" dirty="0"/>
-                        <a:t>Ox</a:t>
-                      </a:r>
-                      <a:endParaRPr kumimoji="1" lang="ja-JP" altLang="en-US" sz="2400" dirty="0"/>
-                    </a:p>
-                  </a:txBody>
-                  <a:tcPr/>
-                </a:tc>
-                <a:tc>
-                  <a:txBody>
-                    <a:bodyPr/>
-                    <a:lstStyle/>
-                    <a:p>
-                      <a:pPr algn="ctr"/>
-                      <a:r>
-                        <a:rPr kumimoji="1" lang="en-US" altLang="ja-JP" sz="2400" dirty="0"/>
-                        <a:t>10</a:t>
-                      </a:r>
-                      <a:endParaRPr kumimoji="1" lang="ja-JP" altLang="en-US" sz="2400" dirty="0"/>
-                    </a:p>
-                  </a:txBody>
-                  <a:tcPr/>
-                </a:tc>
-                <a:extLst>
-                  <a:ext uri="{0D108BD9-81ED-4DB2-BD59-A6C34878D82A}">
-                    <a16:rowId xmlns:a16="http://schemas.microsoft.com/office/drawing/2014/main" val="720538209"/>
-                  </a:ext>
-                </a:extLst>
-              </a:tr>
-              <a:tr h="300418">
-                <a:tc>
-                  <a:txBody>
-                    <a:bodyPr/>
-                    <a:lstStyle/>
-                    <a:p>
-                      <a:r>
-                        <a:rPr kumimoji="1" lang="en-US" altLang="ja-JP" sz="2400" dirty="0"/>
-                        <a:t>NOx</a:t>
-                      </a:r>
-                      <a:endParaRPr kumimoji="1" lang="ja-JP" altLang="en-US" sz="2400" dirty="0"/>
-                    </a:p>
-                  </a:txBody>
-                  <a:tcPr/>
-                </a:tc>
-                <a:tc>
-                  <a:txBody>
-                    <a:bodyPr/>
-                    <a:lstStyle/>
-                    <a:p>
-                      <a:pPr algn="ctr"/>
-                      <a:r>
-                        <a:rPr kumimoji="1" lang="en-US" altLang="ja-JP" sz="2400" dirty="0"/>
-                        <a:t>6</a:t>
-                      </a:r>
-                      <a:endParaRPr kumimoji="1" lang="ja-JP" altLang="en-US" sz="2400" dirty="0"/>
-                    </a:p>
-                  </a:txBody>
-                  <a:tcPr/>
-                </a:tc>
-                <a:extLst>
-                  <a:ext uri="{0D108BD9-81ED-4DB2-BD59-A6C34878D82A}">
-                    <a16:rowId xmlns:a16="http://schemas.microsoft.com/office/drawing/2014/main" val="2454845056"/>
-                  </a:ext>
-                </a:extLst>
-              </a:tr>
-              <a:tr h="300418">
-                <a:tc>
-                  <a:txBody>
-                    <a:bodyPr/>
-                    <a:lstStyle/>
-                    <a:p>
-                      <a:r>
-                        <a:rPr kumimoji="1" lang="en-US" altLang="ja-JP" sz="2400" dirty="0"/>
-                        <a:t>NMHC</a:t>
-                      </a:r>
-                      <a:endParaRPr kumimoji="1" lang="ja-JP" altLang="en-US" sz="2400" dirty="0"/>
-                    </a:p>
-                  </a:txBody>
-                  <a:tcPr/>
-                </a:tc>
-                <a:tc>
-                  <a:txBody>
-                    <a:bodyPr/>
-                    <a:lstStyle/>
-                    <a:p>
-                      <a:pPr algn="ctr"/>
-                      <a:r>
-                        <a:rPr kumimoji="1" lang="en-US" altLang="ja-JP" sz="2400" dirty="0"/>
-                        <a:t>4</a:t>
-                      </a:r>
-                      <a:endParaRPr kumimoji="1" lang="ja-JP" altLang="en-US" sz="2400" dirty="0"/>
-                    </a:p>
-                  </a:txBody>
-                  <a:tcPr/>
-                </a:tc>
-                <a:extLst>
-                  <a:ext uri="{0D108BD9-81ED-4DB2-BD59-A6C34878D82A}">
-                    <a16:rowId xmlns:a16="http://schemas.microsoft.com/office/drawing/2014/main" val="2645688771"/>
-                  </a:ext>
-                </a:extLst>
-              </a:tr>
-              <a:tr h="300418">
-                <a:tc>
-                  <a:txBody>
-                    <a:bodyPr/>
-                    <a:lstStyle/>
-                    <a:p>
-                      <a:r>
-                        <a:rPr kumimoji="1" lang="en-US" altLang="ja-JP" sz="2400" dirty="0"/>
-                        <a:t>TEMP</a:t>
-                      </a:r>
-                      <a:endParaRPr kumimoji="1" lang="ja-JP" altLang="en-US" sz="2400" dirty="0"/>
-                    </a:p>
-                  </a:txBody>
-                  <a:tcPr/>
-                </a:tc>
-                <a:tc>
-                  <a:txBody>
-                    <a:bodyPr/>
-                    <a:lstStyle/>
-                    <a:p>
-                      <a:pPr algn="ctr"/>
-                      <a:r>
-                        <a:rPr kumimoji="1" lang="en-US" altLang="ja-JP" sz="2400" dirty="0"/>
-                        <a:t>1</a:t>
-                      </a:r>
-                      <a:endParaRPr kumimoji="1" lang="ja-JP" altLang="en-US" sz="2400" dirty="0"/>
-                    </a:p>
-                  </a:txBody>
-                  <a:tcPr/>
-                </a:tc>
-                <a:extLst>
-                  <a:ext uri="{0D108BD9-81ED-4DB2-BD59-A6C34878D82A}">
-                    <a16:rowId xmlns:a16="http://schemas.microsoft.com/office/drawing/2014/main" val="3696366919"/>
-                  </a:ext>
-                </a:extLst>
-              </a:tr>
-            </a:tbl>
-          </a:graphicData>
-        </a:graphic>
-      </p:graphicFrame>
+          <a:prstGeom prst="rect">
+            <a:avLst/>
+          </a:prstGeom>
+          <a:noFill/>
+        </p:spPr>
+        <p:txBody>
+          <a:bodyPr wrap="square" rtlCol="0">
+            <a:spAutoFit/>
+          </a:bodyPr>
+          <a:lstStyle/>
+          <a:p>
+            <a:pPr algn="ctr">
+              <a:lnSpc>
+                <a:spcPct val="150000"/>
+              </a:lnSpc>
+            </a:pPr>
+            <a:r>
+              <a:rPr lang="en-US" altLang="ja-JP" sz="2400" dirty="0" smtClean="0">
+                <a:latin typeface="メイリオ" panose="020B0604030504040204" pitchFamily="50" charset="-128"/>
+                <a:ea typeface="メイリオ" panose="020B0604030504040204" pitchFamily="50" charset="-128"/>
+              </a:rPr>
+              <a:t>SHAP</a:t>
+            </a:r>
+            <a:r>
+              <a:rPr lang="ja-JP" altLang="en-US" sz="2400" dirty="0" smtClean="0">
+                <a:latin typeface="メイリオ" panose="020B0604030504040204" pitchFamily="50" charset="-128"/>
+                <a:ea typeface="メイリオ" panose="020B0604030504040204" pitchFamily="50" charset="-128"/>
+              </a:rPr>
+              <a:t>値解析と呼ばれる</a:t>
+            </a:r>
+            <a:endParaRPr lang="en-US" altLang="ja-JP" sz="2400" dirty="0" smtClean="0">
+              <a:latin typeface="メイリオ" panose="020B0604030504040204" pitchFamily="50" charset="-128"/>
+              <a:ea typeface="メイリオ" panose="020B0604030504040204" pitchFamily="50" charset="-128"/>
+            </a:endParaRPr>
+          </a:p>
+          <a:p>
+            <a:pPr algn="ctr">
+              <a:lnSpc>
+                <a:spcPct val="150000"/>
+              </a:lnSpc>
+            </a:pPr>
+            <a:r>
+              <a:rPr lang="ja-JP" altLang="en-US" sz="2400" dirty="0" smtClean="0">
+                <a:latin typeface="メイリオ" panose="020B0604030504040204" pitchFamily="50" charset="-128"/>
+                <a:ea typeface="メイリオ" panose="020B0604030504040204" pitchFamily="50" charset="-128"/>
+              </a:rPr>
+              <a:t>特徴量需要度の算出を行う</a:t>
+            </a:r>
+            <a:endParaRPr lang="en-US" altLang="ja-JP" sz="2400" dirty="0">
+              <a:latin typeface="メイリオ" panose="020B0604030504040204" pitchFamily="50" charset="-128"/>
+              <a:ea typeface="メイリオ" panose="020B0604030504040204" pitchFamily="50" charset="-128"/>
+            </a:endParaRPr>
+          </a:p>
+        </p:txBody>
+      </p:sp>
     </p:spTree>
     <p:extLst>
       <p:ext uri="{BB962C8B-B14F-4D97-AF65-F5344CB8AC3E}">
@@ -21612,7 +21090,7 @@
                                 </p:cTn>
                               </p:par>
                               <p:par>
-                                <p:cTn id="17" presetID="1" presetClass="entr" presetSubtype="0" fill="hold" nodeType="withEffect">
+                                <p:cTn id="17" presetID="1" presetClass="entr" presetSubtype="0" fill="hold" grpId="0" nodeType="withEffect">
                                   <p:stCondLst>
                                     <p:cond delay="0"/>
                                   </p:stCondLst>
@@ -21625,79 +21103,7 @@
                                           </p:stCondLst>
                                         </p:cTn>
                                         <p:tgtEl>
-                                          <p:spTgt spid="13"/>
-                                        </p:tgtEl>
-                                        <p:attrNameLst>
-                                          <p:attrName>style.visibility</p:attrName>
-                                        </p:attrNameLst>
-                                      </p:cBhvr>
-                                      <p:to>
-                                        <p:strVal val="visible"/>
-                                      </p:to>
-                                    </p:set>
-                                  </p:childTnLst>
-                                </p:cTn>
-                              </p:par>
-                              <p:par>
-                                <p:cTn id="19" presetID="1" presetClass="entr" presetSubtype="0" fill="hold" nodeType="withEffect">
-                                  <p:stCondLst>
-                                    <p:cond delay="0"/>
-                                  </p:stCondLst>
-                                  <p:childTnLst>
-                                    <p:set>
-                                      <p:cBhvr>
-                                        <p:cTn id="20" dur="1" fill="hold">
-                                          <p:stCondLst>
-                                            <p:cond delay="0"/>
-                                          </p:stCondLst>
-                                        </p:cTn>
-                                        <p:tgtEl>
-                                          <p:spTgt spid="16"/>
-                                        </p:tgtEl>
-                                        <p:attrNameLst>
-                                          <p:attrName>style.visibility</p:attrName>
-                                        </p:attrNameLst>
-                                      </p:cBhvr>
-                                      <p:to>
-                                        <p:strVal val="visible"/>
-                                      </p:to>
-                                    </p:set>
-                                  </p:childTnLst>
-                                </p:cTn>
-                              </p:par>
-                            </p:childTnLst>
-                          </p:cTn>
-                        </p:par>
-                      </p:childTnLst>
-                    </p:cTn>
-                  </p:par>
-                  <p:par>
-                    <p:cTn id="21" fill="hold">
-                      <p:stCondLst>
-                        <p:cond delay="indefinite"/>
-                      </p:stCondLst>
-                      <p:childTnLst>
-                        <p:par>
-                          <p:cTn id="22" fill="hold">
-                            <p:stCondLst>
-                              <p:cond delay="0"/>
-                            </p:stCondLst>
-                            <p:childTnLst>
-                              <p:par>
-                                <p:cTn id="23" presetID="1" presetClass="entr" presetSubtype="0" fill="hold" nodeType="clickEffect">
-                                  <p:stCondLst>
-                                    <p:cond delay="0"/>
-                                  </p:stCondLst>
-                                  <p:childTnLst>
-                                    <p:set>
-                                      <p:cBhvr>
-                                        <p:cTn id="24" dur="1" fill="hold">
-                                          <p:stCondLst>
-                                            <p:cond delay="0"/>
-                                          </p:stCondLst>
-                                        </p:cTn>
-                                        <p:tgtEl>
-                                          <p:spTgt spid="23"/>
+                                          <p:spTgt spid="21"/>
                                         </p:tgtEl>
                                         <p:attrNameLst>
                                           <p:attrName>style.visibility</p:attrName>
@@ -21741,6 +21147,7 @@
       <p:bldP spid="5" grpId="0"/>
       <p:bldP spid="49" grpId="0"/>
       <p:bldP spid="9" grpId="0"/>
+      <p:bldP spid="21" grpId="0"/>
     </p:bldLst>
   </p:timing>
 </p:sld>
